--- a/宣道詩/(宣道詩83)後必知清.pptx
+++ b/宣道詩/(宣道詩83)後必知清.pptx
@@ -5369,7 +5369,8 @@
           <a:p>
             <a:fld id="{C1927376-1CFC-4827-B6D6-8CD8E27EFBD0}" type="datetimeFigureOut">
               <a:rPr lang="zh-TW" altLang="en-US" smtClean="0"/>
-              <a:t>2016/6/12</a:t>
+              <a:pPr/>
+              <a:t>2023/11/16</a:t>
             </a:fld>
             <a:endParaRPr lang="zh-TW" altLang="en-US"/>
           </a:p>
@@ -5419,6 +5420,7 @@
           <a:p>
             <a:fld id="{F8C503A7-DE01-4452-A917-0B7AFAECC3CB}" type="slidenum">
               <a:rPr lang="zh-TW" altLang="en-US" smtClean="0"/>
+              <a:pPr/>
               <a:t>‹#›</a:t>
             </a:fld>
             <a:endParaRPr lang="zh-TW" altLang="en-US"/>
@@ -5548,7 +5550,8 @@
           <a:p>
             <a:fld id="{C1927376-1CFC-4827-B6D6-8CD8E27EFBD0}" type="datetimeFigureOut">
               <a:rPr lang="zh-TW" altLang="en-US" smtClean="0"/>
-              <a:t>2016/6/12</a:t>
+              <a:pPr/>
+              <a:t>2023/11/16</a:t>
             </a:fld>
             <a:endParaRPr lang="zh-TW" altLang="en-US"/>
           </a:p>
@@ -5602,6 +5605,7 @@
           <a:p>
             <a:fld id="{F8C503A7-DE01-4452-A917-0B7AFAECC3CB}" type="slidenum">
               <a:rPr lang="zh-TW" altLang="en-US" smtClean="0"/>
+              <a:pPr/>
               <a:t>‹#›</a:t>
             </a:fld>
             <a:endParaRPr lang="zh-TW" altLang="en-US"/>
@@ -5741,7 +5745,8 @@
           <a:p>
             <a:fld id="{C1927376-1CFC-4827-B6D6-8CD8E27EFBD0}" type="datetimeFigureOut">
               <a:rPr lang="zh-TW" altLang="en-US" smtClean="0"/>
-              <a:t>2016/6/12</a:t>
+              <a:pPr/>
+              <a:t>2023/11/16</a:t>
             </a:fld>
             <a:endParaRPr lang="zh-TW" altLang="en-US"/>
           </a:p>
@@ -5795,6 +5800,7 @@
           <a:p>
             <a:fld id="{F8C503A7-DE01-4452-A917-0B7AFAECC3CB}" type="slidenum">
               <a:rPr lang="zh-TW" altLang="en-US" smtClean="0"/>
+              <a:pPr/>
               <a:t>‹#›</a:t>
             </a:fld>
             <a:endParaRPr lang="zh-TW" altLang="en-US"/>
@@ -5924,7 +5930,8 @@
           <a:p>
             <a:fld id="{C1927376-1CFC-4827-B6D6-8CD8E27EFBD0}" type="datetimeFigureOut">
               <a:rPr lang="zh-TW" altLang="en-US" smtClean="0"/>
-              <a:t>2016/6/12</a:t>
+              <a:pPr/>
+              <a:t>2023/11/16</a:t>
             </a:fld>
             <a:endParaRPr lang="zh-TW" altLang="en-US"/>
           </a:p>
@@ -5978,6 +5985,7 @@
           <a:p>
             <a:fld id="{F8C503A7-DE01-4452-A917-0B7AFAECC3CB}" type="slidenum">
               <a:rPr lang="zh-TW" altLang="en-US" smtClean="0"/>
+              <a:pPr/>
               <a:t>‹#›</a:t>
             </a:fld>
             <a:endParaRPr lang="zh-TW" altLang="en-US"/>
@@ -6129,7 +6137,8 @@
           <a:p>
             <a:fld id="{C1927376-1CFC-4827-B6D6-8CD8E27EFBD0}" type="datetimeFigureOut">
               <a:rPr lang="zh-TW" altLang="en-US" smtClean="0"/>
-              <a:t>2016/6/12</a:t>
+              <a:pPr/>
+              <a:t>2023/11/16</a:t>
             </a:fld>
             <a:endParaRPr lang="zh-TW" altLang="en-US"/>
           </a:p>
@@ -6183,6 +6192,7 @@
           <a:p>
             <a:fld id="{F8C503A7-DE01-4452-A917-0B7AFAECC3CB}" type="slidenum">
               <a:rPr lang="zh-TW" altLang="en-US" smtClean="0"/>
+              <a:pPr/>
               <a:t>‹#›</a:t>
             </a:fld>
             <a:endParaRPr lang="zh-TW" altLang="en-US"/>
@@ -6430,7 +6440,8 @@
           <a:p>
             <a:fld id="{C1927376-1CFC-4827-B6D6-8CD8E27EFBD0}" type="datetimeFigureOut">
               <a:rPr lang="zh-TW" altLang="en-US" smtClean="0"/>
-              <a:t>2016/6/12</a:t>
+              <a:pPr/>
+              <a:t>2023/11/16</a:t>
             </a:fld>
             <a:endParaRPr lang="zh-TW" altLang="en-US"/>
           </a:p>
@@ -6484,6 +6495,7 @@
           <a:p>
             <a:fld id="{F8C503A7-DE01-4452-A917-0B7AFAECC3CB}" type="slidenum">
               <a:rPr lang="zh-TW" altLang="en-US" smtClean="0"/>
+              <a:pPr/>
               <a:t>‹#›</a:t>
             </a:fld>
             <a:endParaRPr lang="zh-TW" altLang="en-US"/>
@@ -6870,7 +6882,8 @@
           <a:p>
             <a:fld id="{C1927376-1CFC-4827-B6D6-8CD8E27EFBD0}" type="datetimeFigureOut">
               <a:rPr lang="zh-TW" altLang="en-US" smtClean="0"/>
-              <a:t>2016/6/12</a:t>
+              <a:pPr/>
+              <a:t>2023/11/16</a:t>
             </a:fld>
             <a:endParaRPr lang="zh-TW" altLang="en-US"/>
           </a:p>
@@ -6924,6 +6937,7 @@
           <a:p>
             <a:fld id="{F8C503A7-DE01-4452-A917-0B7AFAECC3CB}" type="slidenum">
               <a:rPr lang="zh-TW" altLang="en-US" smtClean="0"/>
+              <a:pPr/>
               <a:t>‹#›</a:t>
             </a:fld>
             <a:endParaRPr lang="zh-TW" altLang="en-US"/>
@@ -7001,7 +7015,8 @@
           <a:p>
             <a:fld id="{C1927376-1CFC-4827-B6D6-8CD8E27EFBD0}" type="datetimeFigureOut">
               <a:rPr lang="zh-TW" altLang="en-US" smtClean="0"/>
-              <a:t>2016/6/12</a:t>
+              <a:pPr/>
+              <a:t>2023/11/16</a:t>
             </a:fld>
             <a:endParaRPr lang="zh-TW" altLang="en-US"/>
           </a:p>
@@ -7055,6 +7070,7 @@
           <a:p>
             <a:fld id="{F8C503A7-DE01-4452-A917-0B7AFAECC3CB}" type="slidenum">
               <a:rPr lang="zh-TW" altLang="en-US" smtClean="0"/>
+              <a:pPr/>
               <a:t>‹#›</a:t>
             </a:fld>
             <a:endParaRPr lang="zh-TW" altLang="en-US"/>
@@ -7109,7 +7125,8 @@
           <a:p>
             <a:fld id="{C1927376-1CFC-4827-B6D6-8CD8E27EFBD0}" type="datetimeFigureOut">
               <a:rPr lang="zh-TW" altLang="en-US" smtClean="0"/>
-              <a:t>2016/6/12</a:t>
+              <a:pPr/>
+              <a:t>2023/11/16</a:t>
             </a:fld>
             <a:endParaRPr lang="zh-TW" altLang="en-US"/>
           </a:p>
@@ -7163,6 +7180,7 @@
           <a:p>
             <a:fld id="{F8C503A7-DE01-4452-A917-0B7AFAECC3CB}" type="slidenum">
               <a:rPr lang="zh-TW" altLang="en-US" smtClean="0"/>
+              <a:pPr/>
               <a:t>‹#›</a:t>
             </a:fld>
             <a:endParaRPr lang="zh-TW" altLang="en-US"/>
@@ -7399,7 +7417,8 @@
           <a:p>
             <a:fld id="{C1927376-1CFC-4827-B6D6-8CD8E27EFBD0}" type="datetimeFigureOut">
               <a:rPr lang="zh-TW" altLang="en-US" smtClean="0"/>
-              <a:t>2016/6/12</a:t>
+              <a:pPr/>
+              <a:t>2023/11/16</a:t>
             </a:fld>
             <a:endParaRPr lang="zh-TW" altLang="en-US"/>
           </a:p>
@@ -7453,6 +7472,7 @@
           <a:p>
             <a:fld id="{F8C503A7-DE01-4452-A917-0B7AFAECC3CB}" type="slidenum">
               <a:rPr lang="zh-TW" altLang="en-US" smtClean="0"/>
+              <a:pPr/>
               <a:t>‹#›</a:t>
             </a:fld>
             <a:endParaRPr lang="zh-TW" altLang="en-US"/>
@@ -7578,7 +7598,6 @@
               <a:rPr lang="zh-TW" altLang="en-US" noProof="0" smtClean="0"/>
               <a:t>按一下圖示以新增圖片</a:t>
             </a:r>
-            <a:endParaRPr lang="zh-TW" altLang="en-US" noProof="0" smtClean="0"/>
           </a:p>
         </p:txBody>
       </p:sp>
@@ -7670,7 +7689,8 @@
           <a:p>
             <a:fld id="{C1927376-1CFC-4827-B6D6-8CD8E27EFBD0}" type="datetimeFigureOut">
               <a:rPr lang="zh-TW" altLang="en-US" smtClean="0"/>
-              <a:t>2016/6/12</a:t>
+              <a:pPr/>
+              <a:t>2023/11/16</a:t>
             </a:fld>
             <a:endParaRPr lang="zh-TW" altLang="en-US"/>
           </a:p>
@@ -7724,6 +7744,7 @@
           <a:p>
             <a:fld id="{F8C503A7-DE01-4452-A917-0B7AFAECC3CB}" type="slidenum">
               <a:rPr lang="zh-TW" altLang="en-US" smtClean="0"/>
+              <a:pPr/>
               <a:t>‹#›</a:t>
             </a:fld>
             <a:endParaRPr lang="zh-TW" altLang="en-US"/>
@@ -13084,7 +13105,8 @@
           <a:p>
             <a:fld id="{C1927376-1CFC-4827-B6D6-8CD8E27EFBD0}" type="datetimeFigureOut">
               <a:rPr lang="zh-TW" altLang="en-US" smtClean="0"/>
-              <a:t>2016/6/12</a:t>
+              <a:pPr/>
+              <a:t>2023/11/16</a:t>
             </a:fld>
             <a:endParaRPr lang="zh-TW" altLang="en-US"/>
           </a:p>
@@ -13190,6 +13212,7 @@
           <a:p>
             <a:fld id="{F8C503A7-DE01-4452-A917-0B7AFAECC3CB}" type="slidenum">
               <a:rPr lang="zh-TW" altLang="en-US" smtClean="0"/>
+              <a:pPr/>
               <a:t>‹#›</a:t>
             </a:fld>
             <a:endParaRPr lang="zh-TW" altLang="en-US"/>
@@ -13837,6 +13860,13 @@
   <p:clrMapOvr>
     <a:masterClrMapping/>
   </p:clrMapOvr>
+  <p:timing>
+    <p:tnLst>
+      <p:par>
+        <p:cTn id="1" dur="indefinite" restart="never" nodeType="tmRoot"/>
+      </p:par>
+    </p:tnLst>
+  </p:timing>
 </p:sld>
 </file>
 
@@ -13938,6 +13968,13 @@
   <p:clrMapOvr>
     <a:masterClrMapping/>
   </p:clrMapOvr>
+  <p:timing>
+    <p:tnLst>
+      <p:par>
+        <p:cTn id="1" dur="indefinite" restart="never" nodeType="tmRoot"/>
+      </p:par>
+    </p:tnLst>
+  </p:timing>
 </p:sld>
 </file>
 
